--- a/src/main/resources/presentations/BlablaMove_OralDefense.pptx
+++ b/src/main/resources/presentations/BlablaMove_OralDefense.pptx
@@ -226,7 +226,7 @@
           <a:p>
             <a:fld id="{A0FE4780-4742-4AF7-B9F6-29387D06C872}" type="datetimeFigureOut">
               <a:rPr lang="ko-KR" altLang="en-US" smtClean="0"/>
-              <a:t>2019. 2. 27.</a:t>
+              <a:t>2019. 2. 28.</a:t>
             </a:fld>
             <a:endParaRPr lang="ko-KR" altLang="en-US"/>
           </a:p>

--- a/src/main/resources/presentations/BlablaMove_OralDefense.pptx
+++ b/src/main/resources/presentations/BlablaMove_OralDefense.pptx
@@ -13626,31 +13626,22 @@
               <a:buChar char="§"/>
             </a:pPr>
             <a:r>
-              <a:rPr lang="fr-FR" sz="2400" dirty="0" err="1">
+              <a:rPr lang="fr-FR" sz="2400" dirty="0">
                 <a:solidFill>
                   <a:schemeClr val="accent6"/>
                 </a:solidFill>
                 <a:latin typeface="Dosis" panose="02010503020202060003" pitchFamily="2" charset="77"/>
               </a:rPr>
-              <a:t>Ensure</a:t>
-            </a:r>
-            <a:r>
-              <a:rPr lang="fr-FR" sz="2400" dirty="0">
+              <a:t>Master/Slave </a:t>
+            </a:r>
+            <a:r>
+              <a:rPr lang="fr-FR" sz="2400" dirty="0" err="1">
                 <a:solidFill>
                   <a:schemeClr val="accent6"/>
                 </a:solidFill>
                 <a:latin typeface="Dosis" panose="02010503020202060003" pitchFamily="2" charset="77"/>
               </a:rPr>
-              <a:t> data </a:t>
-            </a:r>
-            <a:r>
-              <a:rPr lang="fr-FR" sz="2400" dirty="0" err="1">
-                <a:solidFill>
-                  <a:schemeClr val="accent6"/>
-                </a:solidFill>
-                <a:latin typeface="Dosis" panose="02010503020202060003" pitchFamily="2" charset="77"/>
-              </a:rPr>
-              <a:t>consistency</a:t>
+              <a:t>replication</a:t>
             </a:r>
             <a:endParaRPr lang="fr-FR" sz="2400" dirty="0">
               <a:solidFill>
